--- a/Docs and research/Image files/User_manual.pptx
+++ b/Docs and research/Image files/User_manual.pptx
@@ -3061,6 +3061,56 @@
       </p:grpSpPr>
       <p:sp>
         <p:nvSpPr>
+          <p:cNvPr id="41" name="Rectangle 40"/>
+          <p:cNvSpPr/>
+          <p:nvPr/>
+        </p:nvSpPr>
+        <p:spPr>
+          <a:xfrm>
+            <a:off x="1835696" y="1052736"/>
+            <a:ext cx="4608512" cy="4536504"/>
+          </a:xfrm>
+          <a:prstGeom prst="rect">
+            <a:avLst/>
+          </a:prstGeom>
+          <a:solidFill>
+            <a:schemeClr val="tx1">
+              <a:lumMod val="50000"/>
+              <a:lumOff val="50000"/>
+              <a:alpha val="70000"/>
+            </a:schemeClr>
+          </a:solidFill>
+          <a:ln>
+            <a:noFill/>
+          </a:ln>
+        </p:spPr>
+        <p:style>
+          <a:lnRef idx="2">
+            <a:schemeClr val="accent1">
+              <a:shade val="50000"/>
+            </a:schemeClr>
+          </a:lnRef>
+          <a:fillRef idx="1">
+            <a:schemeClr val="accent1"/>
+          </a:fillRef>
+          <a:effectRef idx="0">
+            <a:schemeClr val="accent1"/>
+          </a:effectRef>
+          <a:fontRef idx="minor">
+            <a:schemeClr val="lt1"/>
+          </a:fontRef>
+        </p:style>
+        <p:txBody>
+          <a:bodyPr rtlCol="0" anchor="ctr"/>
+          <a:lstStyle/>
+          <a:p>
+            <a:pPr algn="ctr"/>
+            <a:endParaRPr lang="fr-FR"/>
+          </a:p>
+        </p:txBody>
+      </p:sp>
+      <p:sp>
+        <p:nvSpPr>
           <p:cNvPr id="4" name="Rectangle 3"/>
           <p:cNvSpPr/>
           <p:nvPr/>
@@ -4431,47 +4481,6 @@
           <a:ln>
             <a:noFill/>
           </a:ln>
-        </p:spPr>
-        <p:style>
-          <a:lnRef idx="2">
-            <a:schemeClr val="accent1">
-              <a:shade val="50000"/>
-            </a:schemeClr>
-          </a:lnRef>
-          <a:fillRef idx="1">
-            <a:schemeClr val="accent1"/>
-          </a:fillRef>
-          <a:effectRef idx="0">
-            <a:schemeClr val="accent1"/>
-          </a:effectRef>
-          <a:fontRef idx="minor">
-            <a:schemeClr val="lt1"/>
-          </a:fontRef>
-        </p:style>
-        <p:txBody>
-          <a:bodyPr rtlCol="0" anchor="ctr"/>
-          <a:lstStyle/>
-          <a:p>
-            <a:pPr algn="ctr"/>
-            <a:endParaRPr lang="fr-FR"/>
-          </a:p>
-        </p:txBody>
-      </p:sp>
-      <p:sp>
-        <p:nvSpPr>
-          <p:cNvPr id="41" name="Rectangle 40"/>
-          <p:cNvSpPr/>
-          <p:nvPr/>
-        </p:nvSpPr>
-        <p:spPr>
-          <a:xfrm>
-            <a:off x="1835696" y="1052736"/>
-            <a:ext cx="4608512" cy="4536504"/>
-          </a:xfrm>
-          <a:prstGeom prst="rect">
-            <a:avLst/>
-          </a:prstGeom>
-          <a:noFill/>
         </p:spPr>
         <p:style>
           <a:lnRef idx="2">
@@ -5189,15 +5198,7 @@
             </a:r>
             <a:r>
               <a:rPr lang="fr-FR" sz="1600" dirty="0" smtClean="0"/>
-              <a:t> </a:t>
-            </a:r>
-            <a:r>
-              <a:rPr lang="fr-FR" sz="1600" dirty="0" smtClean="0"/>
-              <a:t>7.5 </a:t>
-            </a:r>
-            <a:r>
-              <a:rPr lang="fr-FR" sz="1600" dirty="0" smtClean="0"/>
-              <a:t>s </a:t>
+              <a:t> 7.5 s </a:t>
             </a:r>
             <a:r>
               <a:rPr lang="fr-FR" sz="1600" dirty="0" err="1" smtClean="0"/>
@@ -5220,15 +5221,7 @@
             </a:r>
             <a:r>
               <a:rPr lang="fr-FR" sz="1600" dirty="0" smtClean="0"/>
-              <a:t> </a:t>
-            </a:r>
-            <a:r>
-              <a:rPr lang="fr-FR" sz="1600" dirty="0" smtClean="0"/>
-              <a:t>15 </a:t>
-            </a:r>
-            <a:r>
-              <a:rPr lang="fr-FR" sz="1600" dirty="0" smtClean="0"/>
-              <a:t>s </a:t>
+              <a:t> 15 s </a:t>
             </a:r>
             <a:r>
               <a:rPr lang="fr-FR" sz="1600" dirty="0" err="1" smtClean="0"/>
@@ -5251,15 +5244,7 @@
             </a:r>
             <a:r>
               <a:rPr lang="fr-FR" sz="1600" dirty="0" smtClean="0"/>
-              <a:t> </a:t>
-            </a:r>
-            <a:r>
-              <a:rPr lang="fr-FR" sz="1600" dirty="0" smtClean="0"/>
-              <a:t>30 </a:t>
-            </a:r>
-            <a:r>
-              <a:rPr lang="fr-FR" sz="1600" dirty="0" smtClean="0"/>
-              <a:t>s </a:t>
+              <a:t> 30 s </a:t>
             </a:r>
             <a:r>
               <a:rPr lang="fr-FR" sz="1600" dirty="0" err="1" smtClean="0"/>
@@ -5282,15 +5267,7 @@
             </a:r>
             <a:r>
               <a:rPr lang="fr-FR" sz="1600" dirty="0" smtClean="0"/>
-              <a:t> </a:t>
-            </a:r>
-            <a:r>
-              <a:rPr lang="fr-FR" sz="1600" dirty="0" smtClean="0"/>
-              <a:t>60 </a:t>
-            </a:r>
-            <a:r>
-              <a:rPr lang="fr-FR" sz="1600" dirty="0" smtClean="0"/>
-              <a:t>s </a:t>
+              <a:t> 60 s </a:t>
             </a:r>
             <a:r>
               <a:rPr lang="fr-FR" sz="1600" dirty="0" err="1" smtClean="0"/>
@@ -5305,11 +5282,7 @@
             </a:pPr>
             <a:r>
               <a:rPr lang="fr-FR" sz="1600" dirty="0" smtClean="0"/>
-              <a:t> </a:t>
-            </a:r>
-            <a:r>
-              <a:rPr lang="fr-FR" sz="1600" dirty="0" smtClean="0"/>
-              <a:t>Motion </a:t>
+              <a:t> Motion </a:t>
             </a:r>
             <a:r>
               <a:rPr lang="fr-FR" sz="1600" dirty="0" err="1" smtClean="0"/>

--- a/Docs and research/Image files/User_manual.pptx
+++ b/Docs and research/Image files/User_manual.pptx
@@ -104,6 +104,22 @@
       </a:defRPr>
     </a:lvl9pPr>
   </p:defaultTextStyle>
+  <p:extLst>
+    <p:ext uri="{EFAFB233-063F-42B5-8137-9DF3F51BA10A}">
+      <p15:sldGuideLst xmlns:p15="http://schemas.microsoft.com/office/powerpoint/2012/main">
+        <p15:guide id="1" orient="horz" pos="2160">
+          <p15:clr>
+            <a:srgbClr val="A4A3A4"/>
+          </p15:clr>
+        </p15:guide>
+        <p15:guide id="2" pos="2880">
+          <p15:clr>
+            <a:srgbClr val="A4A3A4"/>
+          </p15:clr>
+        </p15:guide>
+      </p15:sldGuideLst>
+    </p:ext>
+  </p:extLst>
 </p:presentation>
 </file>
 
@@ -289,7 +305,7 @@
             <a:fld id="{AA309A6D-C09C-4548-B29A-6CF363A7E532}" type="datetimeFigureOut">
               <a:rPr lang="fr-FR" smtClean="0"/>
               <a:pPr/>
-              <a:t>03/03/2024</a:t>
+              <a:t>04/03/2024</a:t>
             </a:fld>
             <a:endParaRPr lang="fr-BE"/>
           </a:p>
@@ -456,7 +472,7 @@
             <a:fld id="{AA309A6D-C09C-4548-B29A-6CF363A7E532}" type="datetimeFigureOut">
               <a:rPr lang="fr-FR" smtClean="0"/>
               <a:pPr/>
-              <a:t>03/03/2024</a:t>
+              <a:t>04/03/2024</a:t>
             </a:fld>
             <a:endParaRPr lang="fr-BE"/>
           </a:p>
@@ -633,7 +649,7 @@
             <a:fld id="{AA309A6D-C09C-4548-B29A-6CF363A7E532}" type="datetimeFigureOut">
               <a:rPr lang="fr-FR" smtClean="0"/>
               <a:pPr/>
-              <a:t>03/03/2024</a:t>
+              <a:t>04/03/2024</a:t>
             </a:fld>
             <a:endParaRPr lang="fr-BE"/>
           </a:p>
@@ -800,7 +816,7 @@
             <a:fld id="{AA309A6D-C09C-4548-B29A-6CF363A7E532}" type="datetimeFigureOut">
               <a:rPr lang="fr-FR" smtClean="0"/>
               <a:pPr/>
-              <a:t>03/03/2024</a:t>
+              <a:t>04/03/2024</a:t>
             </a:fld>
             <a:endParaRPr lang="fr-BE"/>
           </a:p>
@@ -1043,7 +1059,7 @@
             <a:fld id="{AA309A6D-C09C-4548-B29A-6CF363A7E532}" type="datetimeFigureOut">
               <a:rPr lang="fr-FR" smtClean="0"/>
               <a:pPr/>
-              <a:t>03/03/2024</a:t>
+              <a:t>04/03/2024</a:t>
             </a:fld>
             <a:endParaRPr lang="fr-BE"/>
           </a:p>
@@ -1328,7 +1344,7 @@
             <a:fld id="{AA309A6D-C09C-4548-B29A-6CF363A7E532}" type="datetimeFigureOut">
               <a:rPr lang="fr-FR" smtClean="0"/>
               <a:pPr/>
-              <a:t>03/03/2024</a:t>
+              <a:t>04/03/2024</a:t>
             </a:fld>
             <a:endParaRPr lang="fr-BE"/>
           </a:p>
@@ -1747,7 +1763,7 @@
             <a:fld id="{AA309A6D-C09C-4548-B29A-6CF363A7E532}" type="datetimeFigureOut">
               <a:rPr lang="fr-FR" smtClean="0"/>
               <a:pPr/>
-              <a:t>03/03/2024</a:t>
+              <a:t>04/03/2024</a:t>
             </a:fld>
             <a:endParaRPr lang="fr-BE"/>
           </a:p>
@@ -1862,7 +1878,7 @@
             <a:fld id="{AA309A6D-C09C-4548-B29A-6CF363A7E532}" type="datetimeFigureOut">
               <a:rPr lang="fr-FR" smtClean="0"/>
               <a:pPr/>
-              <a:t>03/03/2024</a:t>
+              <a:t>04/03/2024</a:t>
             </a:fld>
             <a:endParaRPr lang="fr-BE"/>
           </a:p>
@@ -1954,7 +1970,7 @@
             <a:fld id="{AA309A6D-C09C-4548-B29A-6CF363A7E532}" type="datetimeFigureOut">
               <a:rPr lang="fr-FR" smtClean="0"/>
               <a:pPr/>
-              <a:t>03/03/2024</a:t>
+              <a:t>04/03/2024</a:t>
             </a:fld>
             <a:endParaRPr lang="fr-BE"/>
           </a:p>
@@ -2228,7 +2244,7 @@
             <a:fld id="{AA309A6D-C09C-4548-B29A-6CF363A7E532}" type="datetimeFigureOut">
               <a:rPr lang="fr-FR" smtClean="0"/>
               <a:pPr/>
-              <a:t>03/03/2024</a:t>
+              <a:t>04/03/2024</a:t>
             </a:fld>
             <a:endParaRPr lang="fr-BE"/>
           </a:p>
@@ -2478,7 +2494,7 @@
             <a:fld id="{AA309A6D-C09C-4548-B29A-6CF363A7E532}" type="datetimeFigureOut">
               <a:rPr lang="fr-FR" smtClean="0"/>
               <a:pPr/>
-              <a:t>03/03/2024</a:t>
+              <a:t>04/03/2024</a:t>
             </a:fld>
             <a:endParaRPr lang="fr-BE"/>
           </a:p>
@@ -2688,7 +2704,7 @@
             <a:fld id="{AA309A6D-C09C-4548-B29A-6CF363A7E532}" type="datetimeFigureOut">
               <a:rPr lang="fr-FR" smtClean="0"/>
               <a:pPr/>
-              <a:t>03/03/2024</a:t>
+              <a:t>04/03/2024</a:t>
             </a:fld>
             <a:endParaRPr lang="fr-BE"/>
           </a:p>
@@ -3061,28 +3077,19 @@
       </p:grpSpPr>
       <p:sp>
         <p:nvSpPr>
-          <p:cNvPr id="41" name="Rectangle 40"/>
+          <p:cNvPr id="2" name="Rectangle 1"/>
           <p:cNvSpPr/>
           <p:nvPr/>
         </p:nvSpPr>
         <p:spPr>
           <a:xfrm>
-            <a:off x="1835696" y="1052736"/>
-            <a:ext cx="4608512" cy="4536504"/>
+            <a:off x="0" y="0"/>
+            <a:ext cx="9144000" cy="6858000"/>
           </a:xfrm>
           <a:prstGeom prst="rect">
             <a:avLst/>
           </a:prstGeom>
-          <a:solidFill>
-            <a:schemeClr val="tx1">
-              <a:lumMod val="50000"/>
-              <a:lumOff val="50000"/>
-              <a:alpha val="70000"/>
-            </a:schemeClr>
-          </a:solidFill>
-          <a:ln>
-            <a:noFill/>
-          </a:ln>
+          <a:noFill/>
         </p:spPr>
         <p:style>
           <a:lnRef idx="2">
@@ -5400,7 +5407,7 @@
         </p:nvSpPr>
         <p:spPr>
           <a:xfrm>
-            <a:off x="4283968" y="4725144"/>
+            <a:off x="4355976" y="4725144"/>
             <a:ext cx="864096" cy="276999"/>
           </a:xfrm>
           <a:prstGeom prst="rect">

--- a/Docs and research/Image files/User_manual.pptx
+++ b/Docs and research/Image files/User_manual.pptx
@@ -106,7 +106,7 @@
   </p:defaultTextStyle>
   <p:extLst>
     <p:ext uri="{EFAFB233-063F-42B5-8137-9DF3F51BA10A}">
-      <p15:sldGuideLst xmlns:p15="http://schemas.microsoft.com/office/powerpoint/2012/main">
+      <p15:sldGuideLst xmlns:p15="http://schemas.microsoft.com/office/powerpoint/2012/main" xmlns="">
         <p15:guide id="1" orient="horz" pos="2160">
           <p15:clr>
             <a:srgbClr val="A4A3A4"/>
@@ -305,7 +305,7 @@
             <a:fld id="{AA309A6D-C09C-4548-B29A-6CF363A7E532}" type="datetimeFigureOut">
               <a:rPr lang="fr-FR" smtClean="0"/>
               <a:pPr/>
-              <a:t>04/03/2024</a:t>
+              <a:t>08/06/2024</a:t>
             </a:fld>
             <a:endParaRPr lang="fr-BE"/>
           </a:p>
@@ -472,7 +472,7 @@
             <a:fld id="{AA309A6D-C09C-4548-B29A-6CF363A7E532}" type="datetimeFigureOut">
               <a:rPr lang="fr-FR" smtClean="0"/>
               <a:pPr/>
-              <a:t>04/03/2024</a:t>
+              <a:t>08/06/2024</a:t>
             </a:fld>
             <a:endParaRPr lang="fr-BE"/>
           </a:p>
@@ -649,7 +649,7 @@
             <a:fld id="{AA309A6D-C09C-4548-B29A-6CF363A7E532}" type="datetimeFigureOut">
               <a:rPr lang="fr-FR" smtClean="0"/>
               <a:pPr/>
-              <a:t>04/03/2024</a:t>
+              <a:t>08/06/2024</a:t>
             </a:fld>
             <a:endParaRPr lang="fr-BE"/>
           </a:p>
@@ -816,7 +816,7 @@
             <a:fld id="{AA309A6D-C09C-4548-B29A-6CF363A7E532}" type="datetimeFigureOut">
               <a:rPr lang="fr-FR" smtClean="0"/>
               <a:pPr/>
-              <a:t>04/03/2024</a:t>
+              <a:t>08/06/2024</a:t>
             </a:fld>
             <a:endParaRPr lang="fr-BE"/>
           </a:p>
@@ -1059,7 +1059,7 @@
             <a:fld id="{AA309A6D-C09C-4548-B29A-6CF363A7E532}" type="datetimeFigureOut">
               <a:rPr lang="fr-FR" smtClean="0"/>
               <a:pPr/>
-              <a:t>04/03/2024</a:t>
+              <a:t>08/06/2024</a:t>
             </a:fld>
             <a:endParaRPr lang="fr-BE"/>
           </a:p>
@@ -1344,7 +1344,7 @@
             <a:fld id="{AA309A6D-C09C-4548-B29A-6CF363A7E532}" type="datetimeFigureOut">
               <a:rPr lang="fr-FR" smtClean="0"/>
               <a:pPr/>
-              <a:t>04/03/2024</a:t>
+              <a:t>08/06/2024</a:t>
             </a:fld>
             <a:endParaRPr lang="fr-BE"/>
           </a:p>
@@ -1763,7 +1763,7 @@
             <a:fld id="{AA309A6D-C09C-4548-B29A-6CF363A7E532}" type="datetimeFigureOut">
               <a:rPr lang="fr-FR" smtClean="0"/>
               <a:pPr/>
-              <a:t>04/03/2024</a:t>
+              <a:t>08/06/2024</a:t>
             </a:fld>
             <a:endParaRPr lang="fr-BE"/>
           </a:p>
@@ -1878,7 +1878,7 @@
             <a:fld id="{AA309A6D-C09C-4548-B29A-6CF363A7E532}" type="datetimeFigureOut">
               <a:rPr lang="fr-FR" smtClean="0"/>
               <a:pPr/>
-              <a:t>04/03/2024</a:t>
+              <a:t>08/06/2024</a:t>
             </a:fld>
             <a:endParaRPr lang="fr-BE"/>
           </a:p>
@@ -1970,7 +1970,7 @@
             <a:fld id="{AA309A6D-C09C-4548-B29A-6CF363A7E532}" type="datetimeFigureOut">
               <a:rPr lang="fr-FR" smtClean="0"/>
               <a:pPr/>
-              <a:t>04/03/2024</a:t>
+              <a:t>08/06/2024</a:t>
             </a:fld>
             <a:endParaRPr lang="fr-BE"/>
           </a:p>
@@ -2244,7 +2244,7 @@
             <a:fld id="{AA309A6D-C09C-4548-B29A-6CF363A7E532}" type="datetimeFigureOut">
               <a:rPr lang="fr-FR" smtClean="0"/>
               <a:pPr/>
-              <a:t>04/03/2024</a:t>
+              <a:t>08/06/2024</a:t>
             </a:fld>
             <a:endParaRPr lang="fr-BE"/>
           </a:p>
@@ -2494,7 +2494,7 @@
             <a:fld id="{AA309A6D-C09C-4548-B29A-6CF363A7E532}" type="datetimeFigureOut">
               <a:rPr lang="fr-FR" smtClean="0"/>
               <a:pPr/>
-              <a:t>04/03/2024</a:t>
+              <a:t>08/06/2024</a:t>
             </a:fld>
             <a:endParaRPr lang="fr-BE"/>
           </a:p>
@@ -2704,7 +2704,7 @@
             <a:fld id="{AA309A6D-C09C-4548-B29A-6CF363A7E532}" type="datetimeFigureOut">
               <a:rPr lang="fr-FR" smtClean="0"/>
               <a:pPr/>
-              <a:t>04/03/2024</a:t>
+              <a:t>08/06/2024</a:t>
             </a:fld>
             <a:endParaRPr lang="fr-BE"/>
           </a:p>
@@ -5160,12 +5160,21 @@
             </a:r>
             <a:r>
               <a:rPr lang="fr-FR" sz="1600" dirty="0" err="1" smtClean="0"/>
-              <a:t>Burst</a:t>
-            </a:r>
-            <a:r>
-              <a:rPr lang="fr-FR" sz="1600" dirty="0" smtClean="0"/>
-              <a:t> mode</a:t>
-            </a:r>
+              <a:t>Timelapse</a:t>
+            </a:r>
+            <a:r>
+              <a:rPr lang="fr-FR" sz="1600" dirty="0" smtClean="0"/>
+              <a:t> 2 </a:t>
+            </a:r>
+            <a:r>
+              <a:rPr lang="fr-FR" sz="1600" dirty="0" smtClean="0"/>
+              <a:t>s </a:t>
+            </a:r>
+            <a:r>
+              <a:rPr lang="fr-FR" sz="1600" dirty="0" err="1" smtClean="0"/>
+              <a:t>delay</a:t>
+            </a:r>
+            <a:endParaRPr lang="fr-FR" sz="1600" dirty="0" smtClean="0"/>
           </a:p>
           <a:p>
             <a:pPr>
@@ -5182,7 +5191,15 @@
             </a:r>
             <a:r>
               <a:rPr lang="fr-FR" sz="1600" dirty="0" smtClean="0"/>
-              <a:t> 3.75 s </a:t>
+              <a:t> </a:t>
+            </a:r>
+            <a:r>
+              <a:rPr lang="fr-FR" sz="1600" dirty="0" smtClean="0"/>
+              <a:t>8 </a:t>
+            </a:r>
+            <a:r>
+              <a:rPr lang="fr-FR" sz="1600" dirty="0" smtClean="0"/>
+              <a:t>s </a:t>
             </a:r>
             <a:r>
               <a:rPr lang="fr-FR" sz="1600" dirty="0" err="1" smtClean="0"/>
@@ -5205,7 +5222,15 @@
             </a:r>
             <a:r>
               <a:rPr lang="fr-FR" sz="1600" dirty="0" smtClean="0"/>
-              <a:t> 7.5 s </a:t>
+              <a:t> </a:t>
+            </a:r>
+            <a:r>
+              <a:rPr lang="fr-FR" sz="1600" dirty="0" smtClean="0"/>
+              <a:t>16 </a:t>
+            </a:r>
+            <a:r>
+              <a:rPr lang="fr-FR" sz="1600" dirty="0" smtClean="0"/>
+              <a:t>s </a:t>
             </a:r>
             <a:r>
               <a:rPr lang="fr-FR" sz="1600" dirty="0" err="1" smtClean="0"/>
@@ -5228,7 +5253,15 @@
             </a:r>
             <a:r>
               <a:rPr lang="fr-FR" sz="1600" dirty="0" smtClean="0"/>
-              <a:t> 15 s </a:t>
+              <a:t> </a:t>
+            </a:r>
+            <a:r>
+              <a:rPr lang="fr-FR" sz="1600" dirty="0" smtClean="0"/>
+              <a:t>32 </a:t>
+            </a:r>
+            <a:r>
+              <a:rPr lang="fr-FR" sz="1600" dirty="0" smtClean="0"/>
+              <a:t>s </a:t>
             </a:r>
             <a:r>
               <a:rPr lang="fr-FR" sz="1600" dirty="0" err="1" smtClean="0"/>
@@ -5243,21 +5276,20 @@
             </a:pPr>
             <a:r>
               <a:rPr lang="fr-FR" sz="1600" dirty="0" smtClean="0"/>
+              <a:t> Motion </a:t>
+            </a:r>
+            <a:r>
+              <a:rPr lang="fr-FR" sz="1600" dirty="0" err="1" smtClean="0"/>
+              <a:t>sensor</a:t>
+            </a:r>
+            <a:r>
+              <a:rPr lang="fr-FR" sz="1600" dirty="0" smtClean="0"/>
               <a:t> </a:t>
             </a:r>
             <a:r>
-              <a:rPr lang="fr-FR" sz="1600" dirty="0" err="1" smtClean="0"/>
-              <a:t>Timelapse</a:t>
-            </a:r>
-            <a:r>
-              <a:rPr lang="fr-FR" sz="1600" dirty="0" smtClean="0"/>
-              <a:t> 30 s </a:t>
-            </a:r>
-            <a:r>
-              <a:rPr lang="fr-FR" sz="1600" dirty="0" err="1" smtClean="0"/>
-              <a:t>delay</a:t>
-            </a:r>
-            <a:endParaRPr lang="fr-FR" sz="1600" dirty="0" smtClean="0"/>
+              <a:rPr lang="fr-FR" sz="1600" dirty="0" smtClean="0"/>
+              <a:t>mode</a:t>
+            </a:r>
           </a:p>
           <a:p>
             <a:pPr>
@@ -5270,15 +5302,15 @@
             </a:r>
             <a:r>
               <a:rPr lang="fr-FR" sz="1600" dirty="0" err="1" smtClean="0"/>
-              <a:t>Timelapse</a:t>
-            </a:r>
-            <a:r>
-              <a:rPr lang="fr-FR" sz="1600" dirty="0" smtClean="0"/>
-              <a:t> 60 s </a:t>
+              <a:t>Slit</a:t>
+            </a:r>
+            <a:r>
+              <a:rPr lang="fr-FR" sz="1600" dirty="0" smtClean="0"/>
+              <a:t> scan mode </a:t>
             </a:r>
             <a:r>
               <a:rPr lang="fr-FR" sz="1600" dirty="0" err="1" smtClean="0"/>
-              <a:t>delay</a:t>
+              <a:t>infinite</a:t>
             </a:r>
             <a:endParaRPr lang="fr-FR" sz="1600" dirty="0" smtClean="0"/>
           </a:p>
@@ -5289,15 +5321,19 @@
             </a:pPr>
             <a:r>
               <a:rPr lang="fr-FR" sz="1600" dirty="0" smtClean="0"/>
-              <a:t> Motion </a:t>
+              <a:t> </a:t>
             </a:r>
             <a:r>
               <a:rPr lang="fr-FR" sz="1600" dirty="0" err="1" smtClean="0"/>
-              <a:t>sensor</a:t>
-            </a:r>
-            <a:r>
-              <a:rPr lang="fr-FR" sz="1600" dirty="0" smtClean="0"/>
-              <a:t> mode</a:t>
+              <a:t>Slit</a:t>
+            </a:r>
+            <a:r>
+              <a:rPr lang="fr-FR" sz="1600" dirty="0" smtClean="0"/>
+              <a:t> scan mode </a:t>
+            </a:r>
+            <a:r>
+              <a:rPr lang="fr-FR" sz="1600" smtClean="0"/>
+              <a:t>128 pixels</a:t>
             </a:r>
             <a:endParaRPr lang="fr-FR" sz="1600" dirty="0"/>
           </a:p>

--- a/Docs and research/Image files/User_manual.pptx
+++ b/Docs and research/Image files/User_manual.pptx
@@ -106,7 +106,7 @@
   </p:defaultTextStyle>
   <p:extLst>
     <p:ext uri="{EFAFB233-063F-42B5-8137-9DF3F51BA10A}">
-      <p15:sldGuideLst xmlns:p15="http://schemas.microsoft.com/office/powerpoint/2012/main" xmlns="">
+      <p15:sldGuideLst xmlns="" xmlns:p15="http://schemas.microsoft.com/office/powerpoint/2012/main">
         <p15:guide id="1" orient="horz" pos="2160">
           <p15:clr>
             <a:srgbClr val="A4A3A4"/>
@@ -5160,19 +5160,11 @@
             </a:r>
             <a:r>
               <a:rPr lang="fr-FR" sz="1600" dirty="0" err="1" smtClean="0"/>
-              <a:t>Timelapse</a:t>
-            </a:r>
-            <a:r>
-              <a:rPr lang="fr-FR" sz="1600" dirty="0" smtClean="0"/>
-              <a:t> 2 </a:t>
-            </a:r>
-            <a:r>
-              <a:rPr lang="fr-FR" sz="1600" dirty="0" smtClean="0"/>
-              <a:t>s </a:t>
-            </a:r>
-            <a:r>
-              <a:rPr lang="fr-FR" sz="1600" dirty="0" err="1" smtClean="0"/>
-              <a:t>delay</a:t>
+              <a:t>Burst</a:t>
+            </a:r>
+            <a:r>
+              <a:rPr lang="fr-FR" sz="1600" dirty="0" smtClean="0"/>
+              <a:t> mode</a:t>
             </a:r>
             <a:endParaRPr lang="fr-FR" sz="1600" dirty="0" smtClean="0"/>
           </a:p>
@@ -5195,7 +5187,7 @@
             </a:r>
             <a:r>
               <a:rPr lang="fr-FR" sz="1600" dirty="0" smtClean="0"/>
-              <a:t>8 </a:t>
+              <a:t>1 </a:t>
             </a:r>
             <a:r>
               <a:rPr lang="fr-FR" sz="1600" dirty="0" smtClean="0"/>
@@ -5226,7 +5218,7 @@
             </a:r>
             <a:r>
               <a:rPr lang="fr-FR" sz="1600" dirty="0" smtClean="0"/>
-              <a:t>16 </a:t>
+              <a:t>30 </a:t>
             </a:r>
             <a:r>
               <a:rPr lang="fr-FR" sz="1600" dirty="0" smtClean="0"/>
@@ -5257,7 +5249,7 @@
             </a:r>
             <a:r>
               <a:rPr lang="fr-FR" sz="1600" dirty="0" smtClean="0"/>
-              <a:t>32 </a:t>
+              <a:t>60 </a:t>
             </a:r>
             <a:r>
               <a:rPr lang="fr-FR" sz="1600" dirty="0" smtClean="0"/>
@@ -5276,11 +5268,11 @@
             </a:pPr>
             <a:r>
               <a:rPr lang="fr-FR" sz="1600" dirty="0" smtClean="0"/>
-              <a:t> Motion </a:t>
+              <a:t> </a:t>
             </a:r>
             <a:r>
               <a:rPr lang="fr-FR" sz="1600" dirty="0" err="1" smtClean="0"/>
-              <a:t>sensor</a:t>
+              <a:t>Slit</a:t>
             </a:r>
             <a:r>
               <a:rPr lang="fr-FR" sz="1600" dirty="0" smtClean="0"/>
@@ -5288,8 +5280,13 @@
             </a:r>
             <a:r>
               <a:rPr lang="fr-FR" sz="1600" dirty="0" smtClean="0"/>
-              <a:t>mode</a:t>
-            </a:r>
+              <a:t>scan mode </a:t>
+            </a:r>
+            <a:r>
+              <a:rPr lang="fr-FR" sz="1600" dirty="0" err="1" smtClean="0"/>
+              <a:t>infinite</a:t>
+            </a:r>
+            <a:endParaRPr lang="fr-FR" sz="1600" dirty="0" smtClean="0"/>
           </a:p>
           <a:p>
             <a:pPr>
@@ -5306,13 +5303,12 @@
             </a:r>
             <a:r>
               <a:rPr lang="fr-FR" sz="1600" dirty="0" smtClean="0"/>
-              <a:t> scan mode </a:t>
-            </a:r>
-            <a:r>
-              <a:rPr lang="fr-FR" sz="1600" dirty="0" err="1" smtClean="0"/>
-              <a:t>infinite</a:t>
-            </a:r>
-            <a:endParaRPr lang="fr-FR" sz="1600" dirty="0" smtClean="0"/>
+              <a:t> scan mode 128 </a:t>
+            </a:r>
+            <a:r>
+              <a:rPr lang="fr-FR" sz="1600" dirty="0" smtClean="0"/>
+              <a:t>pixels</a:t>
+            </a:r>
           </a:p>
           <a:p>
             <a:pPr>
@@ -5321,21 +5317,21 @@
             </a:pPr>
             <a:r>
               <a:rPr lang="fr-FR" sz="1600" dirty="0" smtClean="0"/>
+              <a:t> Motion </a:t>
+            </a:r>
+            <a:r>
+              <a:rPr lang="fr-FR" sz="1600" dirty="0" err="1" smtClean="0"/>
+              <a:t>sensor</a:t>
+            </a:r>
+            <a:r>
+              <a:rPr lang="fr-FR" sz="1600" dirty="0" smtClean="0"/>
               <a:t> </a:t>
             </a:r>
             <a:r>
-              <a:rPr lang="fr-FR" sz="1600" dirty="0" err="1" smtClean="0"/>
-              <a:t>Slit</a:t>
-            </a:r>
-            <a:r>
-              <a:rPr lang="fr-FR" sz="1600" dirty="0" smtClean="0"/>
-              <a:t> scan mode </a:t>
-            </a:r>
-            <a:r>
-              <a:rPr lang="fr-FR" sz="1600" smtClean="0"/>
-              <a:t>128 pixels</a:t>
-            </a:r>
-            <a:endParaRPr lang="fr-FR" sz="1600" dirty="0"/>
+              <a:rPr lang="fr-FR" sz="1600" dirty="0" smtClean="0"/>
+              <a:t>mode</a:t>
+            </a:r>
+            <a:endParaRPr lang="fr-FR" sz="1600" dirty="0" smtClean="0"/>
           </a:p>
         </p:txBody>
       </p:sp>
